--- a/[MLUP18] 00. Materi.pptx
+++ b/[MLUP18] 00. Materi.pptx
@@ -117,7 +117,7 @@
 <file path=ppt/revisionInfo.xml><?xml version="1.0" encoding="utf-8"?>
 <p1510:revInfo xmlns:a="http://schemas.openxmlformats.org/drawingml/2006/main" xmlns:r="http://schemas.openxmlformats.org/officeDocument/2006/relationships" xmlns:p1510="http://schemas.microsoft.com/office/powerpoint/2015/10/main">
   <p1510:revLst>
-    <p1510:client id="{4D59C567-6A8A-406F-8938-CB6E16D3C31F}" v="123" dt="2018-06-27T08:56:57.153"/>
+    <p1510:client id="{4D59C567-6A8A-406F-8938-CB6E16D3C31F}" v="185" dt="2018-07-04T16:29:01.224"/>
   </p1510:revLst>
 </p1510:revInfo>
 </file>
@@ -127,18 +127,18 @@
   <pc:docChgLst>
     <pc:chgData name="Hani Ramadhan" userId="ec6b8f99054495dc" providerId="LiveId" clId="{4D59C567-6A8A-406F-8938-CB6E16D3C31F}"/>
     <pc:docChg chg="custSel modSld">
-      <pc:chgData name="Hani Ramadhan" userId="ec6b8f99054495dc" providerId="LiveId" clId="{4D59C567-6A8A-406F-8938-CB6E16D3C31F}" dt="2018-06-27T08:56:57.153" v="122" actId="20577"/>
+      <pc:chgData name="Hani Ramadhan" userId="ec6b8f99054495dc" providerId="LiveId" clId="{4D59C567-6A8A-406F-8938-CB6E16D3C31F}" dt="2018-07-04T16:29:01.224" v="184" actId="27636"/>
       <pc:docMkLst>
         <pc:docMk/>
       </pc:docMkLst>
       <pc:sldChg chg="modSp">
-        <pc:chgData name="Hani Ramadhan" userId="ec6b8f99054495dc" providerId="LiveId" clId="{4D59C567-6A8A-406F-8938-CB6E16D3C31F}" dt="2018-06-27T07:42:39.589" v="41" actId="20577"/>
+        <pc:chgData name="Hani Ramadhan" userId="ec6b8f99054495dc" providerId="LiveId" clId="{4D59C567-6A8A-406F-8938-CB6E16D3C31F}" dt="2018-07-04T16:29:01.224" v="184" actId="27636"/>
         <pc:sldMkLst>
           <pc:docMk/>
           <pc:sldMk cId="1385622058" sldId="257"/>
         </pc:sldMkLst>
         <pc:spChg chg="mod">
-          <ac:chgData name="Hani Ramadhan" userId="ec6b8f99054495dc" providerId="LiveId" clId="{4D59C567-6A8A-406F-8938-CB6E16D3C31F}" dt="2018-06-27T07:42:39.589" v="41" actId="20577"/>
+          <ac:chgData name="Hani Ramadhan" userId="ec6b8f99054495dc" providerId="LiveId" clId="{4D59C567-6A8A-406F-8938-CB6E16D3C31F}" dt="2018-07-04T16:29:01.224" v="184" actId="27636"/>
           <ac:spMkLst>
             <pc:docMk/>
             <pc:sldMk cId="1385622058" sldId="257"/>
@@ -323,7 +323,7 @@
           <a:p>
             <a:fld id="{E1E90267-1F41-408E-B45F-BD54F20DDDE2}" type="datetimeFigureOut">
               <a:rPr lang="fr-FR" smtClean="0"/>
-              <a:t>27/06/2018</a:t>
+              <a:t>05/07/2018</a:t>
             </a:fld>
             <a:endParaRPr lang="fr-FR"/>
           </a:p>
@@ -523,7 +523,7 @@
           <a:p>
             <a:fld id="{E1E90267-1F41-408E-B45F-BD54F20DDDE2}" type="datetimeFigureOut">
               <a:rPr lang="fr-FR" smtClean="0"/>
-              <a:t>27/06/2018</a:t>
+              <a:t>05/07/2018</a:t>
             </a:fld>
             <a:endParaRPr lang="fr-FR"/>
           </a:p>
@@ -733,7 +733,7 @@
           <a:p>
             <a:fld id="{E1E90267-1F41-408E-B45F-BD54F20DDDE2}" type="datetimeFigureOut">
               <a:rPr lang="fr-FR" smtClean="0"/>
-              <a:t>27/06/2018</a:t>
+              <a:t>05/07/2018</a:t>
             </a:fld>
             <a:endParaRPr lang="fr-FR"/>
           </a:p>
@@ -933,7 +933,7 @@
           <a:p>
             <a:fld id="{E1E90267-1F41-408E-B45F-BD54F20DDDE2}" type="datetimeFigureOut">
               <a:rPr lang="fr-FR" smtClean="0"/>
-              <a:t>27/06/2018</a:t>
+              <a:t>05/07/2018</a:t>
             </a:fld>
             <a:endParaRPr lang="fr-FR"/>
           </a:p>
@@ -1209,7 +1209,7 @@
           <a:p>
             <a:fld id="{E1E90267-1F41-408E-B45F-BD54F20DDDE2}" type="datetimeFigureOut">
               <a:rPr lang="fr-FR" smtClean="0"/>
-              <a:t>27/06/2018</a:t>
+              <a:t>05/07/2018</a:t>
             </a:fld>
             <a:endParaRPr lang="fr-FR"/>
           </a:p>
@@ -1477,7 +1477,7 @@
           <a:p>
             <a:fld id="{E1E90267-1F41-408E-B45F-BD54F20DDDE2}" type="datetimeFigureOut">
               <a:rPr lang="fr-FR" smtClean="0"/>
-              <a:t>27/06/2018</a:t>
+              <a:t>05/07/2018</a:t>
             </a:fld>
             <a:endParaRPr lang="fr-FR"/>
           </a:p>
@@ -1892,7 +1892,7 @@
           <a:p>
             <a:fld id="{E1E90267-1F41-408E-B45F-BD54F20DDDE2}" type="datetimeFigureOut">
               <a:rPr lang="fr-FR" smtClean="0"/>
-              <a:t>27/06/2018</a:t>
+              <a:t>05/07/2018</a:t>
             </a:fld>
             <a:endParaRPr lang="fr-FR"/>
           </a:p>
@@ -2034,7 +2034,7 @@
           <a:p>
             <a:fld id="{E1E90267-1F41-408E-B45F-BD54F20DDDE2}" type="datetimeFigureOut">
               <a:rPr lang="fr-FR" smtClean="0"/>
-              <a:t>27/06/2018</a:t>
+              <a:t>05/07/2018</a:t>
             </a:fld>
             <a:endParaRPr lang="fr-FR"/>
           </a:p>
@@ -2147,7 +2147,7 @@
           <a:p>
             <a:fld id="{E1E90267-1F41-408E-B45F-BD54F20DDDE2}" type="datetimeFigureOut">
               <a:rPr lang="fr-FR" smtClean="0"/>
-              <a:t>27/06/2018</a:t>
+              <a:t>05/07/2018</a:t>
             </a:fld>
             <a:endParaRPr lang="fr-FR"/>
           </a:p>
@@ -2460,7 +2460,7 @@
           <a:p>
             <a:fld id="{E1E90267-1F41-408E-B45F-BD54F20DDDE2}" type="datetimeFigureOut">
               <a:rPr lang="fr-FR" smtClean="0"/>
-              <a:t>27/06/2018</a:t>
+              <a:t>05/07/2018</a:t>
             </a:fld>
             <a:endParaRPr lang="fr-FR"/>
           </a:p>
@@ -2749,7 +2749,7 @@
           <a:p>
             <a:fld id="{E1E90267-1F41-408E-B45F-BD54F20DDDE2}" type="datetimeFigureOut">
               <a:rPr lang="fr-FR" smtClean="0"/>
-              <a:t>27/06/2018</a:t>
+              <a:t>05/07/2018</a:t>
             </a:fld>
             <a:endParaRPr lang="fr-FR"/>
           </a:p>
@@ -2992,7 +2992,7 @@
           <a:p>
             <a:fld id="{E1E90267-1F41-408E-B45F-BD54F20DDDE2}" type="datetimeFigureOut">
               <a:rPr lang="fr-FR" smtClean="0"/>
-              <a:t>27/06/2018</a:t>
+              <a:t>05/07/2018</a:t>
             </a:fld>
             <a:endParaRPr lang="fr-FR"/>
           </a:p>
@@ -3542,7 +3542,7 @@
         <p:spPr/>
         <p:txBody>
           <a:bodyPr>
-            <a:normAutofit fontScale="92500" lnSpcReduction="10000"/>
+            <a:normAutofit fontScale="92500" lnSpcReduction="20000"/>
           </a:bodyPr>
           <a:lstStyle/>
           <a:p>
@@ -3591,16 +3591,7 @@
             </a:pPr>
             <a:r>
               <a:rPr lang="fr-FR" dirty="0"/>
-              <a:t>Hands-on 3: Prediksi dengan Regresi Linier</a:t>
-            </a:r>
-          </a:p>
-          <a:p>
-            <a:pPr marL="0" indent="0">
-              <a:buNone/>
-            </a:pPr>
-            <a:r>
-              <a:rPr lang="fr-FR" dirty="0"/>
-              <a:t>Hari 2</a:t>
+              <a:t>Pengenalan Machine Learning: Teknis</a:t>
             </a:r>
           </a:p>
           <a:p>
@@ -3610,7 +3601,16 @@
             </a:pPr>
             <a:r>
               <a:rPr lang="fr-FR" dirty="0"/>
-              <a:t>Hands-on 4: Klasifikasi dengan Regresi Logistik</a:t>
+              <a:t>Hands-on 3: Prediksi dengan Regresi Linier</a:t>
+            </a:r>
+          </a:p>
+          <a:p>
+            <a:pPr marL="0" indent="0">
+              <a:buNone/>
+            </a:pPr>
+            <a:r>
+              <a:rPr lang="fr-FR" dirty="0"/>
+              <a:t>Hari 2</a:t>
             </a:r>
           </a:p>
           <a:p>
@@ -3620,7 +3620,7 @@
             </a:pPr>
             <a:r>
               <a:rPr lang="fr-FR" dirty="0"/>
-              <a:t>Hands-on 5: Prediksi dan Klasifikasi menggunakan Metode Berbasis Pohon Keputusan</a:t>
+              <a:t>Hands-on 3: Prediksi dengan Regresi Linier (lanjutan)</a:t>
             </a:r>
           </a:p>
           <a:p>
@@ -3630,7 +3630,25 @@
             </a:pPr>
             <a:r>
               <a:rPr lang="fr-FR" dirty="0"/>
-              <a:t>Pengenalan Deep Learning</a:t>
+              <a:t>Hands-on 4: Klasifikasi dengan </a:t>
+            </a:r>
+            <a:r>
+              <a:rPr lang="fr-FR"/>
+              <a:t>Regresi Logistik</a:t>
+            </a:r>
+          </a:p>
+          <a:p>
+            <a:pPr marL="514350" indent="-514350">
+              <a:buFont typeface="+mj-lt"/>
+              <a:buAutoNum type="arabicPeriod"/>
+            </a:pPr>
+            <a:r>
+              <a:rPr lang="fr-FR"/>
+              <a:t>Pengenalan </a:t>
+            </a:r>
+            <a:r>
+              <a:rPr lang="fr-FR" dirty="0"/>
+              <a:t>Deep Learning</a:t>
             </a:r>
           </a:p>
         </p:txBody>
